--- a/2dgp project/ppt/2014180056 2DGP 2차발표.pptx
+++ b/2dgp project/ppt/2014180056 2DGP 2차발표.pptx
@@ -4678,11 +4678,15 @@
             </a:r>
             <a:r>
               <a:rPr lang="en-US" altLang="ko-KR" dirty="0" smtClean="0"/>
-              <a:t>1</a:t>
+              <a:t>2</a:t>
             </a:r>
             <a:r>
               <a:rPr lang="ko-KR" altLang="en-US" dirty="0" smtClean="0"/>
-              <a:t>차 발표</a:t>
+              <a:t>차 </a:t>
+            </a:r>
+            <a:r>
+              <a:rPr lang="ko-KR" altLang="en-US" dirty="0" smtClean="0"/>
+              <a:t>발표</a:t>
             </a:r>
             <a:endParaRPr lang="ko-KR" altLang="en-US" dirty="0"/>
           </a:p>
@@ -4825,11 +4829,7 @@
             </a:pPr>
             <a:r>
               <a:rPr lang="en-US" altLang="ko-KR" sz="2500" dirty="0" smtClean="0"/>
-              <a:t>2</a:t>
-            </a:r>
-            <a:r>
-              <a:rPr lang="en-US" altLang="ko-KR" sz="2500" dirty="0" smtClean="0"/>
-              <a:t>. </a:t>
+              <a:t>2. </a:t>
             </a:r>
             <a:r>
               <a:rPr lang="ko-KR" altLang="en-US" sz="2500" dirty="0" smtClean="0"/>
@@ -4849,11 +4849,7 @@
             </a:pPr>
             <a:r>
               <a:rPr lang="en-US" altLang="ko-KR" sz="2500" dirty="0" smtClean="0"/>
-              <a:t>3</a:t>
-            </a:r>
-            <a:r>
-              <a:rPr lang="en-US" altLang="ko-KR" sz="2500" dirty="0" smtClean="0"/>
-              <a:t>. </a:t>
+              <a:t>3. </a:t>
             </a:r>
             <a:r>
               <a:rPr lang="ko-KR" altLang="en-US" sz="2500" dirty="0" smtClean="0"/>
@@ -5035,11 +5031,7 @@
             <a:pPr lvl="1"/>
             <a:r>
               <a:rPr lang="ko-KR" altLang="en-US" dirty="0" smtClean="0"/>
-              <a:t>올라 가는 느낌의 </a:t>
-            </a:r>
-            <a:r>
-              <a:rPr lang="ko-KR" altLang="en-US" dirty="0" smtClean="0"/>
-              <a:t>종 스크롤</a:t>
+              <a:t>올라 가는 느낌의 종 스크롤</a:t>
             </a:r>
             <a:endParaRPr lang="en-US" altLang="ko-KR" dirty="0" smtClean="0"/>
           </a:p>
@@ -6323,15 +6315,7 @@
                       </a:r>
                       <a:r>
                         <a:rPr lang="ko-KR" altLang="en-US" sz="1300" baseline="0" dirty="0" smtClean="0"/>
-                        <a:t> </a:t>
-                      </a:r>
-                      <a:r>
-                        <a:rPr lang="ko-KR" altLang="en-US" sz="1300" baseline="0" dirty="0" smtClean="0"/>
-                        <a:t>구현은 </a:t>
-                      </a:r>
-                      <a:r>
-                        <a:rPr lang="ko-KR" altLang="en-US" sz="1300" baseline="0" dirty="0" smtClean="0"/>
-                        <a:t>했으나 수정이 좀 필요함</a:t>
+                        <a:t> 구현은 했으나 수정이 좀 필요함</a:t>
                       </a:r>
                       <a:endParaRPr lang="ko-KR" altLang="en-US" sz="1300" dirty="0" smtClean="0"/>
                     </a:p>
